--- a/CS4273 - Introduce to Software Engineering/Lab 6. Evaluation.pptx
+++ b/CS4273 - Introduce to Software Engineering/Lab 6. Evaluation.pptx
@@ -4,13 +4,19 @@
   <p:sldMasterIdLst>
     <p:sldMasterId id="2147483648" r:id="rId1"/>
   </p:sldMasterIdLst>
+  <p:notesMasterIdLst>
+    <p:notesMasterId r:id="rId11"/>
+  </p:notesMasterIdLst>
   <p:sldIdLst>
     <p:sldId id="256" r:id="rId2"/>
     <p:sldId id="263" r:id="rId3"/>
-    <p:sldId id="268" r:id="rId4"/>
-    <p:sldId id="269" r:id="rId5"/>
-    <p:sldId id="266" r:id="rId6"/>
-    <p:sldId id="267" r:id="rId7"/>
+    <p:sldId id="276" r:id="rId4"/>
+    <p:sldId id="280" r:id="rId5"/>
+    <p:sldId id="281" r:id="rId6"/>
+    <p:sldId id="268" r:id="rId7"/>
+    <p:sldId id="269" r:id="rId8"/>
+    <p:sldId id="266" r:id="rId9"/>
+    <p:sldId id="267" r:id="rId10"/>
   </p:sldIdLst>
   <p:sldSz cx="12192000" cy="6858000"/>
   <p:notesSz cx="6858000" cy="9144000"/>
@@ -117,6 +123,355 @@
 </p:presentation>
 </file>
 
+<file path=ppt/notesMasters/notesMaster1.xml><?xml version="1.0" encoding="utf-8"?>
+<p:notesMaster xmlns:a="http://schemas.openxmlformats.org/drawingml/2006/main" xmlns:r="http://schemas.openxmlformats.org/officeDocument/2006/relationships" xmlns:p="http://schemas.openxmlformats.org/presentationml/2006/main">
+  <p:cSld>
+    <p:bg>
+      <p:bgRef idx="1001">
+        <a:schemeClr val="bg1"/>
+      </p:bgRef>
+    </p:bg>
+    <p:spTree>
+      <p:nvGrpSpPr>
+        <p:cNvPr id="1" name=""/>
+        <p:cNvGrpSpPr/>
+        <p:nvPr/>
+      </p:nvGrpSpPr>
+      <p:grpSpPr>
+        <a:xfrm>
+          <a:off x="0" y="0"/>
+          <a:ext cx="0" cy="0"/>
+          <a:chOff x="0" y="0"/>
+          <a:chExt cx="0" cy="0"/>
+        </a:xfrm>
+      </p:grpSpPr>
+      <p:sp>
+        <p:nvSpPr>
+          <p:cNvPr id="2" name="Chỗ dành sẵn cho Đầu trang 1"/>
+          <p:cNvSpPr>
+            <a:spLocks noGrp="1"/>
+          </p:cNvSpPr>
+          <p:nvPr>
+            <p:ph type="hdr" sz="quarter"/>
+          </p:nvPr>
+        </p:nvSpPr>
+        <p:spPr>
+          <a:xfrm>
+            <a:off x="0" y="0"/>
+            <a:ext cx="2971800" cy="458788"/>
+          </a:xfrm>
+          <a:prstGeom prst="rect">
+            <a:avLst/>
+          </a:prstGeom>
+        </p:spPr>
+        <p:txBody>
+          <a:bodyPr vert="horz" lIns="91440" tIns="45720" rIns="91440" bIns="45720" rtlCol="0"/>
+          <a:lstStyle>
+            <a:lvl1pPr algn="l">
+              <a:defRPr sz="1200"/>
+            </a:lvl1pPr>
+          </a:lstStyle>
+          <a:p>
+            <a:endParaRPr lang="vi-VN"/>
+          </a:p>
+        </p:txBody>
+      </p:sp>
+      <p:sp>
+        <p:nvSpPr>
+          <p:cNvPr id="3" name="Chỗ dành sẵn cho Ngày tháng 2"/>
+          <p:cNvSpPr>
+            <a:spLocks noGrp="1"/>
+          </p:cNvSpPr>
+          <p:nvPr>
+            <p:ph type="dt" idx="1"/>
+          </p:nvPr>
+        </p:nvSpPr>
+        <p:spPr>
+          <a:xfrm>
+            <a:off x="3884613" y="0"/>
+            <a:ext cx="2971800" cy="458788"/>
+          </a:xfrm>
+          <a:prstGeom prst="rect">
+            <a:avLst/>
+          </a:prstGeom>
+        </p:spPr>
+        <p:txBody>
+          <a:bodyPr vert="horz" lIns="91440" tIns="45720" rIns="91440" bIns="45720" rtlCol="0"/>
+          <a:lstStyle>
+            <a:lvl1pPr algn="r">
+              <a:defRPr sz="1200"/>
+            </a:lvl1pPr>
+          </a:lstStyle>
+          <a:p>
+            <a:fld id="{7D328978-B58C-4BBD-819A-F74468E344CC}" type="datetimeFigureOut">
+              <a:rPr lang="vi-VN" smtClean="0"/>
+              <a:t>16/11/2021</a:t>
+            </a:fld>
+            <a:endParaRPr lang="vi-VN"/>
+          </a:p>
+        </p:txBody>
+      </p:sp>
+      <p:sp>
+        <p:nvSpPr>
+          <p:cNvPr id="4" name="Chỗ dành sẵn cho Hình ảnh của Bản chiếu 3"/>
+          <p:cNvSpPr>
+            <a:spLocks noGrp="1" noRot="1" noChangeAspect="1"/>
+          </p:cNvSpPr>
+          <p:nvPr>
+            <p:ph type="sldImg" idx="2"/>
+          </p:nvPr>
+        </p:nvSpPr>
+        <p:spPr>
+          <a:xfrm>
+            <a:off x="685800" y="1143000"/>
+            <a:ext cx="5486400" cy="3086100"/>
+          </a:xfrm>
+          <a:prstGeom prst="rect">
+            <a:avLst/>
+          </a:prstGeom>
+          <a:noFill/>
+          <a:ln w="12700">
+            <a:solidFill>
+              <a:prstClr val="black"/>
+            </a:solidFill>
+          </a:ln>
+        </p:spPr>
+        <p:txBody>
+          <a:bodyPr vert="horz" lIns="91440" tIns="45720" rIns="91440" bIns="45720" rtlCol="0" anchor="ctr"/>
+          <a:lstStyle/>
+          <a:p>
+            <a:endParaRPr lang="vi-VN"/>
+          </a:p>
+        </p:txBody>
+      </p:sp>
+      <p:sp>
+        <p:nvSpPr>
+          <p:cNvPr id="5" name="Chỗ dành sẵn cho Ghi chú 4"/>
+          <p:cNvSpPr>
+            <a:spLocks noGrp="1"/>
+          </p:cNvSpPr>
+          <p:nvPr>
+            <p:ph type="body" sz="quarter" idx="3"/>
+          </p:nvPr>
+        </p:nvSpPr>
+        <p:spPr>
+          <a:xfrm>
+            <a:off x="685800" y="4400550"/>
+            <a:ext cx="5486400" cy="3600450"/>
+          </a:xfrm>
+          <a:prstGeom prst="rect">
+            <a:avLst/>
+          </a:prstGeom>
+        </p:spPr>
+        <p:txBody>
+          <a:bodyPr vert="horz" lIns="91440" tIns="45720" rIns="91440" bIns="45720" rtlCol="0"/>
+          <a:lstStyle/>
+          <a:p>
+            <a:pPr lvl="0"/>
+            <a:r>
+              <a:rPr lang="vi-VN"/>
+              <a:t>Bấm để chỉnh sửa kiểu văn bản của Bản cái</a:t>
+            </a:r>
+          </a:p>
+          <a:p>
+            <a:pPr lvl="1"/>
+            <a:r>
+              <a:rPr lang="vi-VN"/>
+              <a:t>Mức hai</a:t>
+            </a:r>
+          </a:p>
+          <a:p>
+            <a:pPr lvl="2"/>
+            <a:r>
+              <a:rPr lang="vi-VN"/>
+              <a:t>Mức ba</a:t>
+            </a:r>
+          </a:p>
+          <a:p>
+            <a:pPr lvl="3"/>
+            <a:r>
+              <a:rPr lang="vi-VN"/>
+              <a:t>Mức bốn</a:t>
+            </a:r>
+          </a:p>
+          <a:p>
+            <a:pPr lvl="4"/>
+            <a:r>
+              <a:rPr lang="vi-VN"/>
+              <a:t>Mức năm</a:t>
+            </a:r>
+          </a:p>
+        </p:txBody>
+      </p:sp>
+      <p:sp>
+        <p:nvSpPr>
+          <p:cNvPr id="6" name="Chỗ dành sẵn cho Chân trang 5"/>
+          <p:cNvSpPr>
+            <a:spLocks noGrp="1"/>
+          </p:cNvSpPr>
+          <p:nvPr>
+            <p:ph type="ftr" sz="quarter" idx="4"/>
+          </p:nvPr>
+        </p:nvSpPr>
+        <p:spPr>
+          <a:xfrm>
+            <a:off x="0" y="8685213"/>
+            <a:ext cx="2971800" cy="458787"/>
+          </a:xfrm>
+          <a:prstGeom prst="rect">
+            <a:avLst/>
+          </a:prstGeom>
+        </p:spPr>
+        <p:txBody>
+          <a:bodyPr vert="horz" lIns="91440" tIns="45720" rIns="91440" bIns="45720" rtlCol="0" anchor="b"/>
+          <a:lstStyle>
+            <a:lvl1pPr algn="l">
+              <a:defRPr sz="1200"/>
+            </a:lvl1pPr>
+          </a:lstStyle>
+          <a:p>
+            <a:endParaRPr lang="vi-VN"/>
+          </a:p>
+        </p:txBody>
+      </p:sp>
+      <p:sp>
+        <p:nvSpPr>
+          <p:cNvPr id="7" name="Chỗ dành sẵn cho Số hiệu Bản chiếu 6"/>
+          <p:cNvSpPr>
+            <a:spLocks noGrp="1"/>
+          </p:cNvSpPr>
+          <p:nvPr>
+            <p:ph type="sldNum" sz="quarter" idx="5"/>
+          </p:nvPr>
+        </p:nvSpPr>
+        <p:spPr>
+          <a:xfrm>
+            <a:off x="3884613" y="8685213"/>
+            <a:ext cx="2971800" cy="458787"/>
+          </a:xfrm>
+          <a:prstGeom prst="rect">
+            <a:avLst/>
+          </a:prstGeom>
+        </p:spPr>
+        <p:txBody>
+          <a:bodyPr vert="horz" lIns="91440" tIns="45720" rIns="91440" bIns="45720" rtlCol="0" anchor="b"/>
+          <a:lstStyle>
+            <a:lvl1pPr algn="r">
+              <a:defRPr sz="1200"/>
+            </a:lvl1pPr>
+          </a:lstStyle>
+          <a:p>
+            <a:fld id="{972DCDD0-3CAA-4117-A3AA-B43392278E1A}" type="slidenum">
+              <a:rPr lang="vi-VN" smtClean="0"/>
+              <a:t>‹#›</a:t>
+            </a:fld>
+            <a:endParaRPr lang="vi-VN"/>
+          </a:p>
+        </p:txBody>
+      </p:sp>
+    </p:spTree>
+    <p:extLst>
+      <p:ext uri="{BB962C8B-B14F-4D97-AF65-F5344CB8AC3E}">
+        <p14:creationId xmlns:p14="http://schemas.microsoft.com/office/powerpoint/2010/main" val="800597327"/>
+      </p:ext>
+    </p:extLst>
+  </p:cSld>
+  <p:clrMap bg1="lt1" tx1="dk1" bg2="lt2" tx2="dk2" accent1="accent1" accent2="accent2" accent3="accent3" accent4="accent4" accent5="accent5" accent6="accent6" hlink="hlink" folHlink="folHlink"/>
+  <p:notesStyle>
+    <a:lvl1pPr marL="0" algn="l" defTabSz="914400" rtl="0" eaLnBrk="1" latinLnBrk="0" hangingPunct="1">
+      <a:defRPr sz="1200" kern="1200">
+        <a:solidFill>
+          <a:schemeClr val="tx1"/>
+        </a:solidFill>
+        <a:latin typeface="+mn-lt"/>
+        <a:ea typeface="+mn-ea"/>
+        <a:cs typeface="+mn-cs"/>
+      </a:defRPr>
+    </a:lvl1pPr>
+    <a:lvl2pPr marL="457200" algn="l" defTabSz="914400" rtl="0" eaLnBrk="1" latinLnBrk="0" hangingPunct="1">
+      <a:defRPr sz="1200" kern="1200">
+        <a:solidFill>
+          <a:schemeClr val="tx1"/>
+        </a:solidFill>
+        <a:latin typeface="+mn-lt"/>
+        <a:ea typeface="+mn-ea"/>
+        <a:cs typeface="+mn-cs"/>
+      </a:defRPr>
+    </a:lvl2pPr>
+    <a:lvl3pPr marL="914400" algn="l" defTabSz="914400" rtl="0" eaLnBrk="1" latinLnBrk="0" hangingPunct="1">
+      <a:defRPr sz="1200" kern="1200">
+        <a:solidFill>
+          <a:schemeClr val="tx1"/>
+        </a:solidFill>
+        <a:latin typeface="+mn-lt"/>
+        <a:ea typeface="+mn-ea"/>
+        <a:cs typeface="+mn-cs"/>
+      </a:defRPr>
+    </a:lvl3pPr>
+    <a:lvl4pPr marL="1371600" algn="l" defTabSz="914400" rtl="0" eaLnBrk="1" latinLnBrk="0" hangingPunct="1">
+      <a:defRPr sz="1200" kern="1200">
+        <a:solidFill>
+          <a:schemeClr val="tx1"/>
+        </a:solidFill>
+        <a:latin typeface="+mn-lt"/>
+        <a:ea typeface="+mn-ea"/>
+        <a:cs typeface="+mn-cs"/>
+      </a:defRPr>
+    </a:lvl4pPr>
+    <a:lvl5pPr marL="1828800" algn="l" defTabSz="914400" rtl="0" eaLnBrk="1" latinLnBrk="0" hangingPunct="1">
+      <a:defRPr sz="1200" kern="1200">
+        <a:solidFill>
+          <a:schemeClr val="tx1"/>
+        </a:solidFill>
+        <a:latin typeface="+mn-lt"/>
+        <a:ea typeface="+mn-ea"/>
+        <a:cs typeface="+mn-cs"/>
+      </a:defRPr>
+    </a:lvl5pPr>
+    <a:lvl6pPr marL="2286000" algn="l" defTabSz="914400" rtl="0" eaLnBrk="1" latinLnBrk="0" hangingPunct="1">
+      <a:defRPr sz="1200" kern="1200">
+        <a:solidFill>
+          <a:schemeClr val="tx1"/>
+        </a:solidFill>
+        <a:latin typeface="+mn-lt"/>
+        <a:ea typeface="+mn-ea"/>
+        <a:cs typeface="+mn-cs"/>
+      </a:defRPr>
+    </a:lvl6pPr>
+    <a:lvl7pPr marL="2743200" algn="l" defTabSz="914400" rtl="0" eaLnBrk="1" latinLnBrk="0" hangingPunct="1">
+      <a:defRPr sz="1200" kern="1200">
+        <a:solidFill>
+          <a:schemeClr val="tx1"/>
+        </a:solidFill>
+        <a:latin typeface="+mn-lt"/>
+        <a:ea typeface="+mn-ea"/>
+        <a:cs typeface="+mn-cs"/>
+      </a:defRPr>
+    </a:lvl7pPr>
+    <a:lvl8pPr marL="3200400" algn="l" defTabSz="914400" rtl="0" eaLnBrk="1" latinLnBrk="0" hangingPunct="1">
+      <a:defRPr sz="1200" kern="1200">
+        <a:solidFill>
+          <a:schemeClr val="tx1"/>
+        </a:solidFill>
+        <a:latin typeface="+mn-lt"/>
+        <a:ea typeface="+mn-ea"/>
+        <a:cs typeface="+mn-cs"/>
+      </a:defRPr>
+    </a:lvl8pPr>
+    <a:lvl9pPr marL="3657600" algn="l" defTabSz="914400" rtl="0" eaLnBrk="1" latinLnBrk="0" hangingPunct="1">
+      <a:defRPr sz="1200" kern="1200">
+        <a:solidFill>
+          <a:schemeClr val="tx1"/>
+        </a:solidFill>
+        <a:latin typeface="+mn-lt"/>
+        <a:ea typeface="+mn-ea"/>
+        <a:cs typeface="+mn-cs"/>
+      </a:defRPr>
+    </a:lvl9pPr>
+  </p:notesStyle>
+</p:notesMaster>
+</file>
+
 <file path=ppt/slideLayouts/slideLayout1.xml><?xml version="1.0" encoding="utf-8"?>
 <p:sldLayout xmlns:a="http://schemas.openxmlformats.org/drawingml/2006/main" xmlns:r="http://schemas.openxmlformats.org/officeDocument/2006/relationships" xmlns:p="http://schemas.openxmlformats.org/presentationml/2006/main" type="title" preserve="1">
   <p:cSld name="Tiêu đề Bản chiếu">
@@ -262,9 +617,9 @@
           <a:bodyPr/>
           <a:lstStyle/>
           <a:p>
-            <a:fld id="{761D61EA-8B4B-4088-BE46-29F6153D55D8}" type="datetimeFigureOut">
+            <a:fld id="{9EB4240C-D316-421A-95A6-D68692130039}" type="datetime1">
               <a:rPr lang="vi-VN" smtClean="0"/>
-              <a:t>28/10/2021</a:t>
+              <a:t>16/11/2021</a:t>
             </a:fld>
             <a:endParaRPr lang="vi-VN"/>
           </a:p>
@@ -460,9 +815,9 @@
           <a:bodyPr/>
           <a:lstStyle/>
           <a:p>
-            <a:fld id="{761D61EA-8B4B-4088-BE46-29F6153D55D8}" type="datetimeFigureOut">
+            <a:fld id="{3A757833-6143-47A6-8391-AC62F8873B5B}" type="datetime1">
               <a:rPr lang="vi-VN" smtClean="0"/>
-              <a:t>28/10/2021</a:t>
+              <a:t>16/11/2021</a:t>
             </a:fld>
             <a:endParaRPr lang="vi-VN"/>
           </a:p>
@@ -668,9 +1023,9 @@
           <a:bodyPr/>
           <a:lstStyle/>
           <a:p>
-            <a:fld id="{761D61EA-8B4B-4088-BE46-29F6153D55D8}" type="datetimeFigureOut">
+            <a:fld id="{66741D92-E4C9-4BFB-BF27-98BAF495C019}" type="datetime1">
               <a:rPr lang="vi-VN" smtClean="0"/>
-              <a:t>28/10/2021</a:t>
+              <a:t>16/11/2021</a:t>
             </a:fld>
             <a:endParaRPr lang="vi-VN"/>
           </a:p>
@@ -866,9 +1221,9 @@
           <a:bodyPr/>
           <a:lstStyle/>
           <a:p>
-            <a:fld id="{761D61EA-8B4B-4088-BE46-29F6153D55D8}" type="datetimeFigureOut">
+            <a:fld id="{D1AE08A6-EA95-486F-91D4-82559F68EEF4}" type="datetime1">
               <a:rPr lang="vi-VN" smtClean="0"/>
-              <a:t>28/10/2021</a:t>
+              <a:t>16/11/2021</a:t>
             </a:fld>
             <a:endParaRPr lang="vi-VN"/>
           </a:p>
@@ -1141,9 +1496,9 @@
           <a:bodyPr/>
           <a:lstStyle/>
           <a:p>
-            <a:fld id="{761D61EA-8B4B-4088-BE46-29F6153D55D8}" type="datetimeFigureOut">
+            <a:fld id="{DFBDB4AE-8E28-4279-A0F5-61A0E8B2C484}" type="datetime1">
               <a:rPr lang="vi-VN" smtClean="0"/>
-              <a:t>28/10/2021</a:t>
+              <a:t>16/11/2021</a:t>
             </a:fld>
             <a:endParaRPr lang="vi-VN"/>
           </a:p>
@@ -1406,9 +1761,9 @@
           <a:bodyPr/>
           <a:lstStyle/>
           <a:p>
-            <a:fld id="{761D61EA-8B4B-4088-BE46-29F6153D55D8}" type="datetimeFigureOut">
+            <a:fld id="{3020123C-6072-4AB6-841F-B41A8698B30F}" type="datetime1">
               <a:rPr lang="vi-VN" smtClean="0"/>
-              <a:t>28/10/2021</a:t>
+              <a:t>16/11/2021</a:t>
             </a:fld>
             <a:endParaRPr lang="vi-VN"/>
           </a:p>
@@ -1818,9 +2173,9 @@
           <a:bodyPr/>
           <a:lstStyle/>
           <a:p>
-            <a:fld id="{761D61EA-8B4B-4088-BE46-29F6153D55D8}" type="datetimeFigureOut">
+            <a:fld id="{ACA81DC6-AFE5-4941-8611-3F634386FD6B}" type="datetime1">
               <a:rPr lang="vi-VN" smtClean="0"/>
-              <a:t>28/10/2021</a:t>
+              <a:t>16/11/2021</a:t>
             </a:fld>
             <a:endParaRPr lang="vi-VN"/>
           </a:p>
@@ -1959,9 +2314,9 @@
           <a:bodyPr/>
           <a:lstStyle/>
           <a:p>
-            <a:fld id="{761D61EA-8B4B-4088-BE46-29F6153D55D8}" type="datetimeFigureOut">
+            <a:fld id="{AB4E2344-276B-4644-A36C-D16C4E29F80E}" type="datetime1">
               <a:rPr lang="vi-VN" smtClean="0"/>
-              <a:t>28/10/2021</a:t>
+              <a:t>16/11/2021</a:t>
             </a:fld>
             <a:endParaRPr lang="vi-VN"/>
           </a:p>
@@ -2072,9 +2427,9 @@
           <a:bodyPr/>
           <a:lstStyle/>
           <a:p>
-            <a:fld id="{761D61EA-8B4B-4088-BE46-29F6153D55D8}" type="datetimeFigureOut">
+            <a:fld id="{25659324-44EE-4389-A9E7-B25DBB192979}" type="datetime1">
               <a:rPr lang="vi-VN" smtClean="0"/>
-              <a:t>28/10/2021</a:t>
+              <a:t>16/11/2021</a:t>
             </a:fld>
             <a:endParaRPr lang="vi-VN"/>
           </a:p>
@@ -2383,9 +2738,9 @@
           <a:bodyPr/>
           <a:lstStyle/>
           <a:p>
-            <a:fld id="{761D61EA-8B4B-4088-BE46-29F6153D55D8}" type="datetimeFigureOut">
+            <a:fld id="{52D7370F-324C-4486-8704-C439E7309B3C}" type="datetime1">
               <a:rPr lang="vi-VN" smtClean="0"/>
-              <a:t>28/10/2021</a:t>
+              <a:t>16/11/2021</a:t>
             </a:fld>
             <a:endParaRPr lang="vi-VN"/>
           </a:p>
@@ -2671,9 +3026,9 @@
           <a:bodyPr/>
           <a:lstStyle/>
           <a:p>
-            <a:fld id="{761D61EA-8B4B-4088-BE46-29F6153D55D8}" type="datetimeFigureOut">
+            <a:fld id="{76237AEF-95AA-4845-BBD6-D1A9738C01FF}" type="datetime1">
               <a:rPr lang="vi-VN" smtClean="0"/>
-              <a:t>28/10/2021</a:t>
+              <a:t>16/11/2021</a:t>
             </a:fld>
             <a:endParaRPr lang="vi-VN"/>
           </a:p>
@@ -2912,9 +3267,9 @@
             </a:lvl1pPr>
           </a:lstStyle>
           <a:p>
-            <a:fld id="{761D61EA-8B4B-4088-BE46-29F6153D55D8}" type="datetimeFigureOut">
+            <a:fld id="{2575FCB3-0B78-4E4D-BBFD-D8A56DDF9DDA}" type="datetime1">
               <a:rPr lang="vi-VN" smtClean="0"/>
-              <a:t>28/10/2021</a:t>
+              <a:t>16/11/2021</a:t>
             </a:fld>
             <a:endParaRPr lang="vi-VN"/>
           </a:p>
@@ -3031,6 +3386,7 @@
     <p:sldLayoutId id="2147483658" r:id="rId10"/>
     <p:sldLayoutId id="2147483659" r:id="rId11"/>
   </p:sldLayoutIdLst>
+  <p:hf hdr="0" ftr="0" dt="0"/>
   <p:txStyles>
     <p:titleStyle>
       <a:lvl1pPr algn="l" defTabSz="914400" rtl="0" eaLnBrk="1" latinLnBrk="0" hangingPunct="1">
@@ -3398,6 +3754,35 @@
           </a:p>
         </p:txBody>
       </p:sp>
+      <p:sp>
+        <p:nvSpPr>
+          <p:cNvPr id="4" name="Chỗ dành sẵn cho Số hiệu Bản chiếu 3">
+            <a:extLst>
+              <a:ext uri="{FF2B5EF4-FFF2-40B4-BE49-F238E27FC236}">
+                <a16:creationId xmlns:a16="http://schemas.microsoft.com/office/drawing/2014/main" id="{56991EA5-34BF-40F0-AE9C-11E8B22488A9}"/>
+              </a:ext>
+            </a:extLst>
+          </p:cNvPr>
+          <p:cNvSpPr>
+            <a:spLocks noGrp="1"/>
+          </p:cNvSpPr>
+          <p:nvPr>
+            <p:ph type="sldNum" sz="quarter" idx="12"/>
+          </p:nvPr>
+        </p:nvSpPr>
+        <p:spPr/>
+        <p:txBody>
+          <a:bodyPr/>
+          <a:lstStyle/>
+          <a:p>
+            <a:fld id="{480537A9-B8B1-481D-9BE4-179EB839AE15}" type="slidenum">
+              <a:rPr lang="vi-VN" smtClean="0"/>
+              <a:t>1</a:t>
+            </a:fld>
+            <a:endParaRPr lang="vi-VN"/>
+          </a:p>
+        </p:txBody>
+      </p:sp>
     </p:spTree>
     <p:extLst>
       <p:ext uri="{BB962C8B-B14F-4D97-AF65-F5344CB8AC3E}">
@@ -4860,6 +5245,35 @@
           </a:graphicData>
         </a:graphic>
       </p:graphicFrame>
+      <p:sp>
+        <p:nvSpPr>
+          <p:cNvPr id="2" name="Chỗ dành sẵn cho Số hiệu Bản chiếu 1">
+            <a:extLst>
+              <a:ext uri="{FF2B5EF4-FFF2-40B4-BE49-F238E27FC236}">
+                <a16:creationId xmlns:a16="http://schemas.microsoft.com/office/drawing/2014/main" id="{EEFDFEDD-3045-429E-8E3B-489B936519B1}"/>
+              </a:ext>
+            </a:extLst>
+          </p:cNvPr>
+          <p:cNvSpPr>
+            <a:spLocks noGrp="1"/>
+          </p:cNvSpPr>
+          <p:nvPr>
+            <p:ph type="sldNum" sz="quarter" idx="12"/>
+          </p:nvPr>
+        </p:nvSpPr>
+        <p:spPr/>
+        <p:txBody>
+          <a:bodyPr/>
+          <a:lstStyle/>
+          <a:p>
+            <a:fld id="{480537A9-B8B1-481D-9BE4-179EB839AE15}" type="slidenum">
+              <a:rPr lang="vi-VN" smtClean="0"/>
+              <a:t>2</a:t>
+            </a:fld>
+            <a:endParaRPr lang="vi-VN"/>
+          </a:p>
+        </p:txBody>
+      </p:sp>
     </p:spTree>
     <p:extLst>
       <p:ext uri="{BB962C8B-B14F-4D97-AF65-F5344CB8AC3E}">
@@ -4895,7 +5309,7 @@
           <p:cNvPr id="2" name="Tiêu đề 1">
             <a:extLst>
               <a:ext uri="{FF2B5EF4-FFF2-40B4-BE49-F238E27FC236}">
-                <a16:creationId xmlns:a16="http://schemas.microsoft.com/office/drawing/2014/main" id="{31A093F9-0CF8-440B-B27F-B0909F4A5866}"/>
+                <a16:creationId xmlns:a16="http://schemas.microsoft.com/office/drawing/2014/main" id="{30AF1D5B-96D7-47E7-93F9-F5A8DFF25A4F}"/>
               </a:ext>
             </a:extLst>
           </p:cNvPr>
@@ -4913,7 +5327,7 @@
           <a:p>
             <a:r>
               <a:rPr lang="en-US"/>
-              <a:t>Evaluation</a:t>
+              <a:t>Prepare for presenting</a:t>
             </a:r>
             <a:endParaRPr lang="vi-VN"/>
           </a:p>
@@ -4924,7 +5338,7 @@
           <p:cNvPr id="3" name="Chỗ dành sẵn cho Nội dung 2">
             <a:extLst>
               <a:ext uri="{FF2B5EF4-FFF2-40B4-BE49-F238E27FC236}">
-                <a16:creationId xmlns:a16="http://schemas.microsoft.com/office/drawing/2014/main" id="{0BCA7055-D943-41C0-ACBC-D4C0B308F6C8}"/>
+                <a16:creationId xmlns:a16="http://schemas.microsoft.com/office/drawing/2014/main" id="{22366723-663A-4B85-A50B-3EF4AF230F65}"/>
               </a:ext>
             </a:extLst>
           </p:cNvPr>
@@ -4937,7 +5351,9 @@
         </p:nvSpPr>
         <p:spPr/>
         <p:txBody>
-          <a:bodyPr/>
+          <a:bodyPr>
+            <a:normAutofit/>
+          </a:bodyPr>
           <a:lstStyle/>
           <a:p>
             <a:pPr marL="0" indent="0">
@@ -4945,7 +5361,25 @@
             </a:pPr>
             <a:r>
               <a:rPr lang="en-US"/>
-              <a:t>All materials should be uploaded on Github:</a:t>
+              <a:t>Finish your project and write its report</a:t>
+            </a:r>
+          </a:p>
+          <a:p>
+            <a:pPr marL="0" indent="0">
+              <a:buNone/>
+            </a:pPr>
+            <a:r>
+              <a:rPr lang="en-US"/>
+              <a:t>1. Report</a:t>
+            </a:r>
+          </a:p>
+          <a:p>
+            <a:pPr marL="0" indent="0">
+              <a:buNone/>
+            </a:pPr>
+            <a:r>
+              <a:rPr lang="en-US"/>
+              <a:t>The report includes your diagrams + prototype which you have drawn in many past weeks. Parts: intro, design, conclusion, …</a:t>
             </a:r>
           </a:p>
           <a:p>
@@ -4955,7 +5389,7 @@
             </a:pPr>
             <a:r>
               <a:rPr lang="en-US"/>
-              <a:t>Folder Code: source codes</a:t>
+              <a:t>Write by English (recommend) or Vietnamese</a:t>
             </a:r>
           </a:p>
           <a:p>
@@ -4965,15 +5399,60 @@
             </a:pPr>
             <a:r>
               <a:rPr lang="en-US"/>
-              <a:t>Folder Report: file report (PDF format)</a:t>
-            </a:r>
+              <a:t>Sample report: Github / References / Report.pdf</a:t>
+            </a:r>
+          </a:p>
+          <a:p>
+            <a:pPr>
+              <a:buFontTx/>
+              <a:buChar char="-"/>
+            </a:pPr>
+            <a:endParaRPr lang="en-US"/>
+          </a:p>
+          <a:p>
+            <a:pPr marL="0" indent="0">
+              <a:buNone/>
+            </a:pPr>
+            <a:r>
+              <a:rPr lang="en-US"/>
+              <a:t>2. Code: demo some functions</a:t>
+            </a:r>
+          </a:p>
+        </p:txBody>
+      </p:sp>
+      <p:sp>
+        <p:nvSpPr>
+          <p:cNvPr id="4" name="Chỗ dành sẵn cho Số hiệu Bản chiếu 3">
+            <a:extLst>
+              <a:ext uri="{FF2B5EF4-FFF2-40B4-BE49-F238E27FC236}">
+                <a16:creationId xmlns:a16="http://schemas.microsoft.com/office/drawing/2014/main" id="{23B27AA2-B0AE-4DA6-9458-4CB8D7E98D5C}"/>
+              </a:ext>
+            </a:extLst>
+          </p:cNvPr>
+          <p:cNvSpPr>
+            <a:spLocks noGrp="1"/>
+          </p:cNvSpPr>
+          <p:nvPr>
+            <p:ph type="sldNum" sz="quarter" idx="12"/>
+          </p:nvPr>
+        </p:nvSpPr>
+        <p:spPr/>
+        <p:txBody>
+          <a:bodyPr/>
+          <a:lstStyle/>
+          <a:p>
+            <a:fld id="{480537A9-B8B1-481D-9BE4-179EB839AE15}" type="slidenum">
+              <a:rPr lang="vi-VN" smtClean="0"/>
+              <a:t>3</a:t>
+            </a:fld>
+            <a:endParaRPr lang="vi-VN"/>
           </a:p>
         </p:txBody>
       </p:sp>
     </p:spTree>
     <p:extLst>
       <p:ext uri="{BB962C8B-B14F-4D97-AF65-F5344CB8AC3E}">
-        <p14:creationId xmlns:p14="http://schemas.microsoft.com/office/powerpoint/2010/main" val="379522518"/>
+        <p14:creationId xmlns:p14="http://schemas.microsoft.com/office/powerpoint/2010/main" val="3492916418"/>
       </p:ext>
     </p:extLst>
   </p:cSld>
@@ -5005,7 +5484,7 @@
           <p:cNvPr id="2" name="Tiêu đề 1">
             <a:extLst>
               <a:ext uri="{FF2B5EF4-FFF2-40B4-BE49-F238E27FC236}">
-                <a16:creationId xmlns:a16="http://schemas.microsoft.com/office/drawing/2014/main" id="{31A093F9-0CF8-440B-B27F-B0909F4A5866}"/>
+                <a16:creationId xmlns:a16="http://schemas.microsoft.com/office/drawing/2014/main" id="{30AF1D5B-96D7-47E7-93F9-F5A8DFF25A4F}"/>
               </a:ext>
             </a:extLst>
           </p:cNvPr>
@@ -5023,7 +5502,7 @@
           <a:p>
             <a:r>
               <a:rPr lang="en-US"/>
-              <a:t>Evaluation</a:t>
+              <a:t>Prepare for presenting</a:t>
             </a:r>
             <a:endParaRPr lang="vi-VN"/>
           </a:p>
@@ -5034,7 +5513,7 @@
           <p:cNvPr id="3" name="Chỗ dành sẵn cho Nội dung 2">
             <a:extLst>
               <a:ext uri="{FF2B5EF4-FFF2-40B4-BE49-F238E27FC236}">
-                <a16:creationId xmlns:a16="http://schemas.microsoft.com/office/drawing/2014/main" id="{0BCA7055-D943-41C0-ACBC-D4C0B308F6C8}"/>
+                <a16:creationId xmlns:a16="http://schemas.microsoft.com/office/drawing/2014/main" id="{22366723-663A-4B85-A50B-3EF4AF230F65}"/>
               </a:ext>
             </a:extLst>
           </p:cNvPr>
@@ -5045,16 +5524,9 @@
             <p:ph idx="1"/>
           </p:nvPr>
         </p:nvSpPr>
-        <p:spPr>
-          <a:xfrm>
-            <a:off x="838199" y="1825625"/>
-            <a:ext cx="10982739" cy="4351338"/>
-          </a:xfrm>
-        </p:spPr>
-        <p:txBody>
-          <a:bodyPr>
-            <a:normAutofit/>
-          </a:bodyPr>
+        <p:spPr/>
+        <p:txBody>
+          <a:bodyPr/>
           <a:lstStyle/>
           <a:p>
             <a:pPr marL="0" indent="0">
@@ -5062,7 +5534,7 @@
             </a:pPr>
             <a:r>
               <a:rPr lang="en-US"/>
-              <a:t>1. Cross review (20%):</a:t>
+              <a:t>Each group will have 15 – 20 minutes</a:t>
             </a:r>
           </a:p>
           <a:p>
@@ -5071,7 +5543,7 @@
             </a:pPr>
             <a:r>
               <a:rPr lang="en-US"/>
-              <a:t>- Each group will be review two other groups.</a:t>
+              <a:t>Content:</a:t>
             </a:r>
           </a:p>
           <a:p>
@@ -5081,78 +5553,63 @@
             </a:pPr>
             <a:r>
               <a:rPr lang="en-US"/>
-              <a:t>Reviewers should send cross_review file to: </a:t>
-            </a:r>
-            <a:r>
-              <a:rPr lang="en-US">
-                <a:hlinkClick r:id="rId2"/>
-              </a:rPr>
-              <a:t>17520433@gm.uit.edu.vn</a:t>
-            </a:r>
+              <a:t>Introduction (name, role of each members)</a:t>
+            </a:r>
+          </a:p>
+          <a:p>
+            <a:pPr>
+              <a:buFontTx/>
+              <a:buChar char="-"/>
+            </a:pPr>
             <a:r>
               <a:rPr lang="en-US"/>
-              <a:t> in 1 week from now.</a:t>
-            </a:r>
-          </a:p>
-          <a:p>
-            <a:pPr marL="0" indent="0">
-              <a:buNone/>
+              <a:t>Topic informations (what functions of this website?, …)</a:t>
+            </a:r>
+          </a:p>
+          <a:p>
+            <a:pPr>
+              <a:buFontTx/>
+              <a:buChar char="-"/>
             </a:pPr>
             <a:r>
               <a:rPr lang="en-US"/>
-              <a:t>2. Self review (20%): fill the form </a:t>
-            </a:r>
-            <a:r>
-              <a:rPr lang="en-US">
-                <a:hlinkClick r:id="rId3"/>
-              </a:rPr>
-              <a:t>https://forms.gle/pppB5tMZ3v1FBmjC7</a:t>
-            </a:r>
-            <a:endParaRPr lang="en-US"/>
-          </a:p>
-          <a:p>
-            <a:pPr marL="0" indent="0">
-              <a:buNone/>
-            </a:pPr>
-            <a:r>
-              <a:rPr lang="en-US"/>
-              <a:t>3. Lecturer review (50%):</a:t>
-            </a:r>
-          </a:p>
-          <a:p>
-            <a:pPr marL="0" indent="0">
-              <a:buNone/>
-            </a:pPr>
-            <a:r>
-              <a:rPr lang="en-US"/>
-              <a:t>- Each group will receive comments.</a:t>
-            </a:r>
-          </a:p>
-          <a:p>
-            <a:pPr marL="0" indent="0">
-              <a:buNone/>
-            </a:pPr>
-            <a:r>
-              <a:rPr lang="en-US"/>
-              <a:t>- Scores are public at MS Teams</a:t>
-            </a:r>
-          </a:p>
-          <a:p>
-            <a:pPr marL="0" indent="0">
-              <a:buNone/>
+              <a:t>Demo all functions in your website</a:t>
+            </a:r>
+          </a:p>
+          <a:p>
+            <a:pPr>
+              <a:buFontTx/>
+              <a:buChar char="-"/>
             </a:pPr>
             <a:endParaRPr lang="en-US"/>
           </a:p>
-          <a:p>
-            <a:pPr marL="0" indent="0">
-              <a:buNone/>
-            </a:pPr>
-            <a:endParaRPr lang="en-US"/>
-          </a:p>
-          <a:p>
-            <a:pPr marL="0" indent="0">
-              <a:buNone/>
-            </a:pPr>
+        </p:txBody>
+      </p:sp>
+      <p:sp>
+        <p:nvSpPr>
+          <p:cNvPr id="4" name="Chỗ dành sẵn cho Số hiệu Bản chiếu 3">
+            <a:extLst>
+              <a:ext uri="{FF2B5EF4-FFF2-40B4-BE49-F238E27FC236}">
+                <a16:creationId xmlns:a16="http://schemas.microsoft.com/office/drawing/2014/main" id="{BEC3C03F-2392-4251-89C7-8FFFEE849775}"/>
+              </a:ext>
+            </a:extLst>
+          </p:cNvPr>
+          <p:cNvSpPr>
+            <a:spLocks noGrp="1"/>
+          </p:cNvSpPr>
+          <p:nvPr>
+            <p:ph type="sldNum" sz="quarter" idx="12"/>
+          </p:nvPr>
+        </p:nvSpPr>
+        <p:spPr/>
+        <p:txBody>
+          <a:bodyPr/>
+          <a:lstStyle/>
+          <a:p>
+            <a:fld id="{480537A9-B8B1-481D-9BE4-179EB839AE15}" type="slidenum">
+              <a:rPr lang="vi-VN" smtClean="0"/>
+              <a:t>4</a:t>
+            </a:fld>
             <a:endParaRPr lang="vi-VN"/>
           </a:p>
         </p:txBody>
@@ -5160,7 +5617,7 @@
     </p:spTree>
     <p:extLst>
       <p:ext uri="{BB962C8B-B14F-4D97-AF65-F5344CB8AC3E}">
-        <p14:creationId xmlns:p14="http://schemas.microsoft.com/office/powerpoint/2010/main" val="1469111570"/>
+        <p14:creationId xmlns:p14="http://schemas.microsoft.com/office/powerpoint/2010/main" val="1423364306"/>
       </p:ext>
     </p:extLst>
   </p:cSld>
@@ -5192,7 +5649,7 @@
           <p:cNvPr id="2" name="Tiêu đề 1">
             <a:extLst>
               <a:ext uri="{FF2B5EF4-FFF2-40B4-BE49-F238E27FC236}">
-                <a16:creationId xmlns:a16="http://schemas.microsoft.com/office/drawing/2014/main" id="{795E3B59-2632-488B-9E9F-875DFE7024F8}"/>
+                <a16:creationId xmlns:a16="http://schemas.microsoft.com/office/drawing/2014/main" id="{30AF1D5B-96D7-47E7-93F9-F5A8DFF25A4F}"/>
               </a:ext>
             </a:extLst>
           </p:cNvPr>
@@ -5210,8 +5667,130 @@
           <a:p>
             <a:r>
               <a:rPr lang="en-US"/>
-              <a:t>Question</a:t>
-            </a:r>
+              <a:t>Prepare for presenting</a:t>
+            </a:r>
+            <a:endParaRPr lang="vi-VN"/>
+          </a:p>
+        </p:txBody>
+      </p:sp>
+      <p:sp>
+        <p:nvSpPr>
+          <p:cNvPr id="3" name="Chỗ dành sẵn cho Nội dung 2">
+            <a:extLst>
+              <a:ext uri="{FF2B5EF4-FFF2-40B4-BE49-F238E27FC236}">
+                <a16:creationId xmlns:a16="http://schemas.microsoft.com/office/drawing/2014/main" id="{22366723-663A-4B85-A50B-3EF4AF230F65}"/>
+              </a:ext>
+            </a:extLst>
+          </p:cNvPr>
+          <p:cNvSpPr>
+            <a:spLocks noGrp="1"/>
+          </p:cNvSpPr>
+          <p:nvPr>
+            <p:ph idx="1"/>
+          </p:nvPr>
+        </p:nvSpPr>
+        <p:spPr/>
+        <p:txBody>
+          <a:bodyPr>
+            <a:normAutofit/>
+          </a:bodyPr>
+          <a:lstStyle/>
+          <a:p>
+            <a:pPr marL="0" indent="0">
+              <a:buNone/>
+            </a:pPr>
+            <a:r>
+              <a:rPr lang="en-US"/>
+              <a:t>29/11: </a:t>
+            </a:r>
+          </a:p>
+          <a:p>
+            <a:pPr marL="0" indent="0">
+              <a:buNone/>
+            </a:pPr>
+            <a:r>
+              <a:rPr lang="en-US"/>
+              <a:t>.1: 7:30 =&gt; 9:30 or (1:00 =&gt; 3:00)</a:t>
+            </a:r>
+          </a:p>
+          <a:p>
+            <a:pPr marL="0" indent="0">
+              <a:buNone/>
+            </a:pPr>
+            <a:r>
+              <a:rPr lang="en-US"/>
+              <a:t>.2: 9:30 =&gt; 11:30 or (3:00 =&gt; 5:00)</a:t>
+            </a:r>
+          </a:p>
+          <a:p>
+            <a:pPr marL="0" indent="0">
+              <a:buNone/>
+            </a:pPr>
+            <a:r>
+              <a:rPr lang="en-US"/>
+              <a:t>- Answer all problems about coding</a:t>
+            </a:r>
+          </a:p>
+          <a:p>
+            <a:pPr marL="0" indent="0">
+              <a:buNone/>
+            </a:pPr>
+            <a:r>
+              <a:rPr lang="en-US"/>
+              <a:t>- Some groups can present soon</a:t>
+            </a:r>
+          </a:p>
+          <a:p>
+            <a:pPr marL="0" indent="0">
+              <a:buNone/>
+            </a:pPr>
+            <a:r>
+              <a:rPr lang="en-US"/>
+              <a:t>6/12: </a:t>
+            </a:r>
+          </a:p>
+          <a:p>
+            <a:pPr marL="0" indent="0">
+              <a:buNone/>
+            </a:pPr>
+            <a:r>
+              <a:rPr lang="en-US"/>
+              <a:t>- All other groups will present</a:t>
+            </a:r>
+          </a:p>
+          <a:p>
+            <a:pPr marL="0" indent="0">
+              <a:buNone/>
+            </a:pPr>
+            <a:endParaRPr lang="en-US"/>
+          </a:p>
+        </p:txBody>
+      </p:sp>
+      <p:sp>
+        <p:nvSpPr>
+          <p:cNvPr id="4" name="Chỗ dành sẵn cho Số hiệu Bản chiếu 3">
+            <a:extLst>
+              <a:ext uri="{FF2B5EF4-FFF2-40B4-BE49-F238E27FC236}">
+                <a16:creationId xmlns:a16="http://schemas.microsoft.com/office/drawing/2014/main" id="{8959F373-646B-45BE-AEEC-0EB9BEBF5F22}"/>
+              </a:ext>
+            </a:extLst>
+          </p:cNvPr>
+          <p:cNvSpPr>
+            <a:spLocks noGrp="1"/>
+          </p:cNvSpPr>
+          <p:nvPr>
+            <p:ph type="sldNum" sz="quarter" idx="12"/>
+          </p:nvPr>
+        </p:nvSpPr>
+        <p:spPr/>
+        <p:txBody>
+          <a:bodyPr/>
+          <a:lstStyle/>
+          <a:p>
+            <a:fld id="{480537A9-B8B1-481D-9BE4-179EB839AE15}" type="slidenum">
+              <a:rPr lang="vi-VN" smtClean="0"/>
+              <a:t>5</a:t>
+            </a:fld>
             <a:endParaRPr lang="vi-VN"/>
           </a:p>
         </p:txBody>
@@ -5219,7 +5798,7 @@
     </p:spTree>
     <p:extLst>
       <p:ext uri="{BB962C8B-B14F-4D97-AF65-F5344CB8AC3E}">
-        <p14:creationId xmlns:p14="http://schemas.microsoft.com/office/powerpoint/2010/main" val="2481045314"/>
+        <p14:creationId xmlns:p14="http://schemas.microsoft.com/office/powerpoint/2010/main" val="4288255933"/>
       </p:ext>
     </p:extLst>
   </p:cSld>
@@ -5251,6 +5830,449 @@
           <p:cNvPr id="2" name="Tiêu đề 1">
             <a:extLst>
               <a:ext uri="{FF2B5EF4-FFF2-40B4-BE49-F238E27FC236}">
+                <a16:creationId xmlns:a16="http://schemas.microsoft.com/office/drawing/2014/main" id="{31A093F9-0CF8-440B-B27F-B0909F4A5866}"/>
+              </a:ext>
+            </a:extLst>
+          </p:cNvPr>
+          <p:cNvSpPr>
+            <a:spLocks noGrp="1"/>
+          </p:cNvSpPr>
+          <p:nvPr>
+            <p:ph type="title"/>
+          </p:nvPr>
+        </p:nvSpPr>
+        <p:spPr/>
+        <p:txBody>
+          <a:bodyPr/>
+          <a:lstStyle/>
+          <a:p>
+            <a:r>
+              <a:rPr lang="en-US"/>
+              <a:t>Evaluation</a:t>
+            </a:r>
+            <a:endParaRPr lang="vi-VN"/>
+          </a:p>
+        </p:txBody>
+      </p:sp>
+      <p:sp>
+        <p:nvSpPr>
+          <p:cNvPr id="3" name="Chỗ dành sẵn cho Nội dung 2">
+            <a:extLst>
+              <a:ext uri="{FF2B5EF4-FFF2-40B4-BE49-F238E27FC236}">
+                <a16:creationId xmlns:a16="http://schemas.microsoft.com/office/drawing/2014/main" id="{0BCA7055-D943-41C0-ACBC-D4C0B308F6C8}"/>
+              </a:ext>
+            </a:extLst>
+          </p:cNvPr>
+          <p:cNvSpPr>
+            <a:spLocks noGrp="1"/>
+          </p:cNvSpPr>
+          <p:nvPr>
+            <p:ph idx="1"/>
+          </p:nvPr>
+        </p:nvSpPr>
+        <p:spPr/>
+        <p:txBody>
+          <a:bodyPr/>
+          <a:lstStyle/>
+          <a:p>
+            <a:pPr marL="0" indent="0">
+              <a:buNone/>
+            </a:pPr>
+            <a:r>
+              <a:rPr lang="en-US"/>
+              <a:t>All materials should be uploaded on Github:</a:t>
+            </a:r>
+          </a:p>
+          <a:p>
+            <a:pPr>
+              <a:buFontTx/>
+              <a:buChar char="-"/>
+            </a:pPr>
+            <a:r>
+              <a:rPr lang="en-US"/>
+              <a:t>Folder Code: source codes</a:t>
+            </a:r>
+          </a:p>
+          <a:p>
+            <a:pPr>
+              <a:buFontTx/>
+              <a:buChar char="-"/>
+            </a:pPr>
+            <a:r>
+              <a:rPr lang="en-US"/>
+              <a:t>Folder Report: file report (PDF format)</a:t>
+            </a:r>
+          </a:p>
+        </p:txBody>
+      </p:sp>
+      <p:sp>
+        <p:nvSpPr>
+          <p:cNvPr id="4" name="Chỗ dành sẵn cho Số hiệu Bản chiếu 3">
+            <a:extLst>
+              <a:ext uri="{FF2B5EF4-FFF2-40B4-BE49-F238E27FC236}">
+                <a16:creationId xmlns:a16="http://schemas.microsoft.com/office/drawing/2014/main" id="{A03061C1-3FBD-4B31-AB63-8774CE7652E3}"/>
+              </a:ext>
+            </a:extLst>
+          </p:cNvPr>
+          <p:cNvSpPr>
+            <a:spLocks noGrp="1"/>
+          </p:cNvSpPr>
+          <p:nvPr>
+            <p:ph type="sldNum" sz="quarter" idx="12"/>
+          </p:nvPr>
+        </p:nvSpPr>
+        <p:spPr/>
+        <p:txBody>
+          <a:bodyPr/>
+          <a:lstStyle/>
+          <a:p>
+            <a:fld id="{480537A9-B8B1-481D-9BE4-179EB839AE15}" type="slidenum">
+              <a:rPr lang="vi-VN" smtClean="0"/>
+              <a:t>6</a:t>
+            </a:fld>
+            <a:endParaRPr lang="vi-VN"/>
+          </a:p>
+        </p:txBody>
+      </p:sp>
+    </p:spTree>
+    <p:extLst>
+      <p:ext uri="{BB962C8B-B14F-4D97-AF65-F5344CB8AC3E}">
+        <p14:creationId xmlns:p14="http://schemas.microsoft.com/office/powerpoint/2010/main" val="379522518"/>
+      </p:ext>
+    </p:extLst>
+  </p:cSld>
+  <p:clrMapOvr>
+    <a:masterClrMapping/>
+  </p:clrMapOvr>
+</p:sld>
+</file>
+
+<file path=ppt/slides/slide7.xml><?xml version="1.0" encoding="utf-8"?>
+<p:sld xmlns:a="http://schemas.openxmlformats.org/drawingml/2006/main" xmlns:r="http://schemas.openxmlformats.org/officeDocument/2006/relationships" xmlns:p="http://schemas.openxmlformats.org/presentationml/2006/main">
+  <p:cSld>
+    <p:spTree>
+      <p:nvGrpSpPr>
+        <p:cNvPr id="1" name=""/>
+        <p:cNvGrpSpPr/>
+        <p:nvPr/>
+      </p:nvGrpSpPr>
+      <p:grpSpPr>
+        <a:xfrm>
+          <a:off x="0" y="0"/>
+          <a:ext cx="0" cy="0"/>
+          <a:chOff x="0" y="0"/>
+          <a:chExt cx="0" cy="0"/>
+        </a:xfrm>
+      </p:grpSpPr>
+      <p:sp>
+        <p:nvSpPr>
+          <p:cNvPr id="2" name="Tiêu đề 1">
+            <a:extLst>
+              <a:ext uri="{FF2B5EF4-FFF2-40B4-BE49-F238E27FC236}">
+                <a16:creationId xmlns:a16="http://schemas.microsoft.com/office/drawing/2014/main" id="{31A093F9-0CF8-440B-B27F-B0909F4A5866}"/>
+              </a:ext>
+            </a:extLst>
+          </p:cNvPr>
+          <p:cNvSpPr>
+            <a:spLocks noGrp="1"/>
+          </p:cNvSpPr>
+          <p:nvPr>
+            <p:ph type="title"/>
+          </p:nvPr>
+        </p:nvSpPr>
+        <p:spPr/>
+        <p:txBody>
+          <a:bodyPr/>
+          <a:lstStyle/>
+          <a:p>
+            <a:r>
+              <a:rPr lang="en-US"/>
+              <a:t>Evaluation</a:t>
+            </a:r>
+            <a:endParaRPr lang="vi-VN"/>
+          </a:p>
+        </p:txBody>
+      </p:sp>
+      <p:sp>
+        <p:nvSpPr>
+          <p:cNvPr id="3" name="Chỗ dành sẵn cho Nội dung 2">
+            <a:extLst>
+              <a:ext uri="{FF2B5EF4-FFF2-40B4-BE49-F238E27FC236}">
+                <a16:creationId xmlns:a16="http://schemas.microsoft.com/office/drawing/2014/main" id="{0BCA7055-D943-41C0-ACBC-D4C0B308F6C8}"/>
+              </a:ext>
+            </a:extLst>
+          </p:cNvPr>
+          <p:cNvSpPr>
+            <a:spLocks noGrp="1"/>
+          </p:cNvSpPr>
+          <p:nvPr>
+            <p:ph idx="1"/>
+          </p:nvPr>
+        </p:nvSpPr>
+        <p:spPr>
+          <a:xfrm>
+            <a:off x="838199" y="1825625"/>
+            <a:ext cx="10982739" cy="4351338"/>
+          </a:xfrm>
+        </p:spPr>
+        <p:txBody>
+          <a:bodyPr>
+            <a:normAutofit/>
+          </a:bodyPr>
+          <a:lstStyle/>
+          <a:p>
+            <a:pPr marL="0" indent="0">
+              <a:buNone/>
+            </a:pPr>
+            <a:r>
+              <a:rPr lang="en-US"/>
+              <a:t>1. Cross review (20%):</a:t>
+            </a:r>
+          </a:p>
+          <a:p>
+            <a:pPr marL="0" indent="0">
+              <a:buNone/>
+            </a:pPr>
+            <a:r>
+              <a:rPr lang="en-US"/>
+              <a:t>- Each group will be review two other groups.</a:t>
+            </a:r>
+          </a:p>
+          <a:p>
+            <a:pPr>
+              <a:buFontTx/>
+              <a:buChar char="-"/>
+            </a:pPr>
+            <a:r>
+              <a:rPr lang="en-US"/>
+              <a:t>Reviewers should send cross_review file to: </a:t>
+            </a:r>
+            <a:r>
+              <a:rPr lang="en-US">
+                <a:hlinkClick r:id="rId2"/>
+              </a:rPr>
+              <a:t>17520433@gm.uit.edu.vn</a:t>
+            </a:r>
+            <a:r>
+              <a:rPr lang="en-US"/>
+              <a:t> in 1 week from now.</a:t>
+            </a:r>
+          </a:p>
+          <a:p>
+            <a:pPr marL="0" indent="0">
+              <a:buNone/>
+            </a:pPr>
+            <a:r>
+              <a:rPr lang="en-US"/>
+              <a:t>2. Self review (20%): fill the form </a:t>
+            </a:r>
+            <a:r>
+              <a:rPr lang="en-US">
+                <a:hlinkClick r:id="rId3"/>
+              </a:rPr>
+              <a:t>https://forms.gle/pppB5tMZ3v1FBmjC7</a:t>
+            </a:r>
+            <a:endParaRPr lang="en-US"/>
+          </a:p>
+          <a:p>
+            <a:pPr marL="0" indent="0">
+              <a:buNone/>
+            </a:pPr>
+            <a:r>
+              <a:rPr lang="en-US"/>
+              <a:t>3. Lecturer review (50%):</a:t>
+            </a:r>
+          </a:p>
+          <a:p>
+            <a:pPr marL="0" indent="0">
+              <a:buNone/>
+            </a:pPr>
+            <a:r>
+              <a:rPr lang="en-US"/>
+              <a:t>- Each group will receive comments.</a:t>
+            </a:r>
+          </a:p>
+          <a:p>
+            <a:pPr marL="0" indent="0">
+              <a:buNone/>
+            </a:pPr>
+            <a:r>
+              <a:rPr lang="en-US"/>
+              <a:t>- Scores are public at MS Teams</a:t>
+            </a:r>
+          </a:p>
+          <a:p>
+            <a:pPr marL="0" indent="0">
+              <a:buNone/>
+            </a:pPr>
+            <a:endParaRPr lang="en-US"/>
+          </a:p>
+          <a:p>
+            <a:pPr marL="0" indent="0">
+              <a:buNone/>
+            </a:pPr>
+            <a:endParaRPr lang="en-US"/>
+          </a:p>
+          <a:p>
+            <a:pPr marL="0" indent="0">
+              <a:buNone/>
+            </a:pPr>
+            <a:endParaRPr lang="vi-VN"/>
+          </a:p>
+        </p:txBody>
+      </p:sp>
+      <p:sp>
+        <p:nvSpPr>
+          <p:cNvPr id="4" name="Chỗ dành sẵn cho Số hiệu Bản chiếu 3">
+            <a:extLst>
+              <a:ext uri="{FF2B5EF4-FFF2-40B4-BE49-F238E27FC236}">
+                <a16:creationId xmlns:a16="http://schemas.microsoft.com/office/drawing/2014/main" id="{7EDAD431-DE34-4FB9-9B82-C95F3EEF6857}"/>
+              </a:ext>
+            </a:extLst>
+          </p:cNvPr>
+          <p:cNvSpPr>
+            <a:spLocks noGrp="1"/>
+          </p:cNvSpPr>
+          <p:nvPr>
+            <p:ph type="sldNum" sz="quarter" idx="12"/>
+          </p:nvPr>
+        </p:nvSpPr>
+        <p:spPr/>
+        <p:txBody>
+          <a:bodyPr/>
+          <a:lstStyle/>
+          <a:p>
+            <a:fld id="{480537A9-B8B1-481D-9BE4-179EB839AE15}" type="slidenum">
+              <a:rPr lang="vi-VN" smtClean="0"/>
+              <a:t>7</a:t>
+            </a:fld>
+            <a:endParaRPr lang="vi-VN"/>
+          </a:p>
+        </p:txBody>
+      </p:sp>
+    </p:spTree>
+    <p:extLst>
+      <p:ext uri="{BB962C8B-B14F-4D97-AF65-F5344CB8AC3E}">
+        <p14:creationId xmlns:p14="http://schemas.microsoft.com/office/powerpoint/2010/main" val="1469111570"/>
+      </p:ext>
+    </p:extLst>
+  </p:cSld>
+  <p:clrMapOvr>
+    <a:masterClrMapping/>
+  </p:clrMapOvr>
+</p:sld>
+</file>
+
+<file path=ppt/slides/slide8.xml><?xml version="1.0" encoding="utf-8"?>
+<p:sld xmlns:a="http://schemas.openxmlformats.org/drawingml/2006/main" xmlns:r="http://schemas.openxmlformats.org/officeDocument/2006/relationships" xmlns:p="http://schemas.openxmlformats.org/presentationml/2006/main">
+  <p:cSld>
+    <p:spTree>
+      <p:nvGrpSpPr>
+        <p:cNvPr id="1" name=""/>
+        <p:cNvGrpSpPr/>
+        <p:nvPr/>
+      </p:nvGrpSpPr>
+      <p:grpSpPr>
+        <a:xfrm>
+          <a:off x="0" y="0"/>
+          <a:ext cx="0" cy="0"/>
+          <a:chOff x="0" y="0"/>
+          <a:chExt cx="0" cy="0"/>
+        </a:xfrm>
+      </p:grpSpPr>
+      <p:sp>
+        <p:nvSpPr>
+          <p:cNvPr id="2" name="Tiêu đề 1">
+            <a:extLst>
+              <a:ext uri="{FF2B5EF4-FFF2-40B4-BE49-F238E27FC236}">
+                <a16:creationId xmlns:a16="http://schemas.microsoft.com/office/drawing/2014/main" id="{795E3B59-2632-488B-9E9F-875DFE7024F8}"/>
+              </a:ext>
+            </a:extLst>
+          </p:cNvPr>
+          <p:cNvSpPr>
+            <a:spLocks noGrp="1"/>
+          </p:cNvSpPr>
+          <p:nvPr>
+            <p:ph type="title"/>
+          </p:nvPr>
+        </p:nvSpPr>
+        <p:spPr/>
+        <p:txBody>
+          <a:bodyPr/>
+          <a:lstStyle/>
+          <a:p>
+            <a:r>
+              <a:rPr lang="en-US"/>
+              <a:t>Question</a:t>
+            </a:r>
+            <a:endParaRPr lang="vi-VN"/>
+          </a:p>
+        </p:txBody>
+      </p:sp>
+      <p:sp>
+        <p:nvSpPr>
+          <p:cNvPr id="3" name="Chỗ dành sẵn cho Số hiệu Bản chiếu 2">
+            <a:extLst>
+              <a:ext uri="{FF2B5EF4-FFF2-40B4-BE49-F238E27FC236}">
+                <a16:creationId xmlns:a16="http://schemas.microsoft.com/office/drawing/2014/main" id="{9DFC4F2B-1117-43C6-89B6-DFF39E01CFBD}"/>
+              </a:ext>
+            </a:extLst>
+          </p:cNvPr>
+          <p:cNvSpPr>
+            <a:spLocks noGrp="1"/>
+          </p:cNvSpPr>
+          <p:nvPr>
+            <p:ph type="sldNum" sz="quarter" idx="12"/>
+          </p:nvPr>
+        </p:nvSpPr>
+        <p:spPr/>
+        <p:txBody>
+          <a:bodyPr/>
+          <a:lstStyle/>
+          <a:p>
+            <a:fld id="{480537A9-B8B1-481D-9BE4-179EB839AE15}" type="slidenum">
+              <a:rPr lang="vi-VN" smtClean="0"/>
+              <a:t>8</a:t>
+            </a:fld>
+            <a:endParaRPr lang="vi-VN"/>
+          </a:p>
+        </p:txBody>
+      </p:sp>
+    </p:spTree>
+    <p:extLst>
+      <p:ext uri="{BB962C8B-B14F-4D97-AF65-F5344CB8AC3E}">
+        <p14:creationId xmlns:p14="http://schemas.microsoft.com/office/powerpoint/2010/main" val="2481045314"/>
+      </p:ext>
+    </p:extLst>
+  </p:cSld>
+  <p:clrMapOvr>
+    <a:masterClrMapping/>
+  </p:clrMapOvr>
+</p:sld>
+</file>
+
+<file path=ppt/slides/slide9.xml><?xml version="1.0" encoding="utf-8"?>
+<p:sld xmlns:a="http://schemas.openxmlformats.org/drawingml/2006/main" xmlns:r="http://schemas.openxmlformats.org/officeDocument/2006/relationships" xmlns:p="http://schemas.openxmlformats.org/presentationml/2006/main">
+  <p:cSld>
+    <p:spTree>
+      <p:nvGrpSpPr>
+        <p:cNvPr id="1" name=""/>
+        <p:cNvGrpSpPr/>
+        <p:nvPr/>
+      </p:nvGrpSpPr>
+      <p:grpSpPr>
+        <a:xfrm>
+          <a:off x="0" y="0"/>
+          <a:ext cx="0" cy="0"/>
+          <a:chOff x="0" y="0"/>
+          <a:chExt cx="0" cy="0"/>
+        </a:xfrm>
+      </p:grpSpPr>
+      <p:sp>
+        <p:nvSpPr>
+          <p:cNvPr id="2" name="Tiêu đề 1">
+            <a:extLst>
+              <a:ext uri="{FF2B5EF4-FFF2-40B4-BE49-F238E27FC236}">
                 <a16:creationId xmlns:a16="http://schemas.microsoft.com/office/drawing/2014/main" id="{C7B954AD-3273-4F96-A245-8F67ABEAB697}"/>
               </a:ext>
             </a:extLst>
@@ -5277,6 +6299,35 @@
               <a:rPr lang="en-US"/>
               <a:t>Thanks for all!</a:t>
             </a:r>
+            <a:endParaRPr lang="vi-VN"/>
+          </a:p>
+        </p:txBody>
+      </p:sp>
+      <p:sp>
+        <p:nvSpPr>
+          <p:cNvPr id="3" name="Chỗ dành sẵn cho Số hiệu Bản chiếu 2">
+            <a:extLst>
+              <a:ext uri="{FF2B5EF4-FFF2-40B4-BE49-F238E27FC236}">
+                <a16:creationId xmlns:a16="http://schemas.microsoft.com/office/drawing/2014/main" id="{C198FC7B-B1D8-486C-8568-87B59E8B3628}"/>
+              </a:ext>
+            </a:extLst>
+          </p:cNvPr>
+          <p:cNvSpPr>
+            <a:spLocks noGrp="1"/>
+          </p:cNvSpPr>
+          <p:nvPr>
+            <p:ph type="sldNum" sz="quarter" idx="12"/>
+          </p:nvPr>
+        </p:nvSpPr>
+        <p:spPr/>
+        <p:txBody>
+          <a:bodyPr/>
+          <a:lstStyle/>
+          <a:p>
+            <a:fld id="{480537A9-B8B1-481D-9BE4-179EB839AE15}" type="slidenum">
+              <a:rPr lang="vi-VN" smtClean="0"/>
+              <a:t>9</a:t>
+            </a:fld>
             <a:endParaRPr lang="vi-VN"/>
           </a:p>
         </p:txBody>
@@ -5587,4 +6638,299 @@
     </a:ext>
   </a:extLst>
 </a:theme>
+</file>
+
+<file path=ppt/theme/theme2.xml><?xml version="1.0" encoding="utf-8"?>
+<a:theme xmlns:a="http://schemas.openxmlformats.org/drawingml/2006/main" name="Chủ đề Office">
+  <a:themeElements>
+    <a:clrScheme name="Office">
+      <a:dk1>
+        <a:sysClr val="windowText" lastClr="000000"/>
+      </a:dk1>
+      <a:lt1>
+        <a:sysClr val="window" lastClr="FFFFFF"/>
+      </a:lt1>
+      <a:dk2>
+        <a:srgbClr val="44546A"/>
+      </a:dk2>
+      <a:lt2>
+        <a:srgbClr val="E7E6E6"/>
+      </a:lt2>
+      <a:accent1>
+        <a:srgbClr val="4472C4"/>
+      </a:accent1>
+      <a:accent2>
+        <a:srgbClr val="ED7D31"/>
+      </a:accent2>
+      <a:accent3>
+        <a:srgbClr val="A5A5A5"/>
+      </a:accent3>
+      <a:accent4>
+        <a:srgbClr val="FFC000"/>
+      </a:accent4>
+      <a:accent5>
+        <a:srgbClr val="5B9BD5"/>
+      </a:accent5>
+      <a:accent6>
+        <a:srgbClr val="70AD47"/>
+      </a:accent6>
+      <a:hlink>
+        <a:srgbClr val="0563C1"/>
+      </a:hlink>
+      <a:folHlink>
+        <a:srgbClr val="954F72"/>
+      </a:folHlink>
+    </a:clrScheme>
+    <a:fontScheme name="Office">
+      <a:majorFont>
+        <a:latin typeface="Calibri Light" panose="020F0302020204030204"/>
+        <a:ea typeface=""/>
+        <a:cs typeface=""/>
+        <a:font script="Jpan" typeface="游ゴシック Light"/>
+        <a:font script="Hang" typeface="맑은 고딕"/>
+        <a:font script="Hans" typeface="等线 Light"/>
+        <a:font script="Hant" typeface="新細明體"/>
+        <a:font script="Arab" typeface="Times New Roman"/>
+        <a:font script="Hebr" typeface="Times New Roman"/>
+        <a:font script="Thai" typeface="Angsana New"/>
+        <a:font script="Ethi" typeface="Nyala"/>
+        <a:font script="Beng" typeface="Vrinda"/>
+        <a:font script="Gujr" typeface="Shruti"/>
+        <a:font script="Khmr" typeface="MoolBoran"/>
+        <a:font script="Knda" typeface="Tunga"/>
+        <a:font script="Guru" typeface="Raavi"/>
+        <a:font script="Cans" typeface="Euphemia"/>
+        <a:font script="Cher" typeface="Plantagenet Cherokee"/>
+        <a:font script="Yiii" typeface="Microsoft Yi Baiti"/>
+        <a:font script="Tibt" typeface="Microsoft Himalaya"/>
+        <a:font script="Thaa" typeface="MV Boli"/>
+        <a:font script="Deva" typeface="Mangal"/>
+        <a:font script="Telu" typeface="Gautami"/>
+        <a:font script="Taml" typeface="Latha"/>
+        <a:font script="Syrc" typeface="Estrangelo Edessa"/>
+        <a:font script="Orya" typeface="Kalinga"/>
+        <a:font script="Mlym" typeface="Kartika"/>
+        <a:font script="Laoo" typeface="DokChampa"/>
+        <a:font script="Sinh" typeface="Iskoola Pota"/>
+        <a:font script="Mong" typeface="Mongolian Baiti"/>
+        <a:font script="Viet" typeface="Times New Roman"/>
+        <a:font script="Uigh" typeface="Microsoft Uighur"/>
+        <a:font script="Geor" typeface="Sylfaen"/>
+        <a:font script="Armn" typeface="Arial"/>
+        <a:font script="Bugi" typeface="Leelawadee UI"/>
+        <a:font script="Bopo" typeface="Microsoft JhengHei"/>
+        <a:font script="Java" typeface="Javanese Text"/>
+        <a:font script="Lisu" typeface="Segoe UI"/>
+        <a:font script="Mymr" typeface="Myanmar Text"/>
+        <a:font script="Nkoo" typeface="Ebrima"/>
+        <a:font script="Olck" typeface="Nirmala UI"/>
+        <a:font script="Osma" typeface="Ebrima"/>
+        <a:font script="Phag" typeface="Phagspa"/>
+        <a:font script="Syrn" typeface="Estrangelo Edessa"/>
+        <a:font script="Syrj" typeface="Estrangelo Edessa"/>
+        <a:font script="Syre" typeface="Estrangelo Edessa"/>
+        <a:font script="Sora" typeface="Nirmala UI"/>
+        <a:font script="Tale" typeface="Microsoft Tai Le"/>
+        <a:font script="Talu" typeface="Microsoft New Tai Lue"/>
+        <a:font script="Tfng" typeface="Ebrima"/>
+      </a:majorFont>
+      <a:minorFont>
+        <a:latin typeface="Calibri" panose="020F0502020204030204"/>
+        <a:ea typeface=""/>
+        <a:cs typeface=""/>
+        <a:font script="Jpan" typeface="游ゴシック"/>
+        <a:font script="Hang" typeface="맑은 고딕"/>
+        <a:font script="Hans" typeface="等线"/>
+        <a:font script="Hant" typeface="新細明體"/>
+        <a:font script="Arab" typeface="Arial"/>
+        <a:font script="Hebr" typeface="Arial"/>
+        <a:font script="Thai" typeface="Cordia New"/>
+        <a:font script="Ethi" typeface="Nyala"/>
+        <a:font script="Beng" typeface="Vrinda"/>
+        <a:font script="Gujr" typeface="Shruti"/>
+        <a:font script="Khmr" typeface="DaunPenh"/>
+        <a:font script="Knda" typeface="Tunga"/>
+        <a:font script="Guru" typeface="Raavi"/>
+        <a:font script="Cans" typeface="Euphemia"/>
+        <a:font script="Cher" typeface="Plantagenet Cherokee"/>
+        <a:font script="Yiii" typeface="Microsoft Yi Baiti"/>
+        <a:font script="Tibt" typeface="Microsoft Himalaya"/>
+        <a:font script="Thaa" typeface="MV Boli"/>
+        <a:font script="Deva" typeface="Mangal"/>
+        <a:font script="Telu" typeface="Gautami"/>
+        <a:font script="Taml" typeface="Latha"/>
+        <a:font script="Syrc" typeface="Estrangelo Edessa"/>
+        <a:font script="Orya" typeface="Kalinga"/>
+        <a:font script="Mlym" typeface="Kartika"/>
+        <a:font script="Laoo" typeface="DokChampa"/>
+        <a:font script="Sinh" typeface="Iskoola Pota"/>
+        <a:font script="Mong" typeface="Mongolian Baiti"/>
+        <a:font script="Viet" typeface="Arial"/>
+        <a:font script="Uigh" typeface="Microsoft Uighur"/>
+        <a:font script="Geor" typeface="Sylfaen"/>
+        <a:font script="Armn" typeface="Arial"/>
+        <a:font script="Bugi" typeface="Leelawadee UI"/>
+        <a:font script="Bopo" typeface="Microsoft JhengHei"/>
+        <a:font script="Java" typeface="Javanese Text"/>
+        <a:font script="Lisu" typeface="Segoe UI"/>
+        <a:font script="Mymr" typeface="Myanmar Text"/>
+        <a:font script="Nkoo" typeface="Ebrima"/>
+        <a:font script="Olck" typeface="Nirmala UI"/>
+        <a:font script="Osma" typeface="Ebrima"/>
+        <a:font script="Phag" typeface="Phagspa"/>
+        <a:font script="Syrn" typeface="Estrangelo Edessa"/>
+        <a:font script="Syrj" typeface="Estrangelo Edessa"/>
+        <a:font script="Syre" typeface="Estrangelo Edessa"/>
+        <a:font script="Sora" typeface="Nirmala UI"/>
+        <a:font script="Tale" typeface="Microsoft Tai Le"/>
+        <a:font script="Talu" typeface="Microsoft New Tai Lue"/>
+        <a:font script="Tfng" typeface="Ebrima"/>
+      </a:minorFont>
+    </a:fontScheme>
+    <a:fmtScheme name="Office">
+      <a:fillStyleLst>
+        <a:solidFill>
+          <a:schemeClr val="phClr"/>
+        </a:solidFill>
+        <a:gradFill rotWithShape="1">
+          <a:gsLst>
+            <a:gs pos="0">
+              <a:schemeClr val="phClr">
+                <a:lumMod val="110000"/>
+                <a:satMod val="105000"/>
+                <a:tint val="67000"/>
+              </a:schemeClr>
+            </a:gs>
+            <a:gs pos="50000">
+              <a:schemeClr val="phClr">
+                <a:lumMod val="105000"/>
+                <a:satMod val="103000"/>
+                <a:tint val="73000"/>
+              </a:schemeClr>
+            </a:gs>
+            <a:gs pos="100000">
+              <a:schemeClr val="phClr">
+                <a:lumMod val="105000"/>
+                <a:satMod val="109000"/>
+                <a:tint val="81000"/>
+              </a:schemeClr>
+            </a:gs>
+          </a:gsLst>
+          <a:lin ang="5400000" scaled="0"/>
+        </a:gradFill>
+        <a:gradFill rotWithShape="1">
+          <a:gsLst>
+            <a:gs pos="0">
+              <a:schemeClr val="phClr">
+                <a:satMod val="103000"/>
+                <a:lumMod val="102000"/>
+                <a:tint val="94000"/>
+              </a:schemeClr>
+            </a:gs>
+            <a:gs pos="50000">
+              <a:schemeClr val="phClr">
+                <a:satMod val="110000"/>
+                <a:lumMod val="100000"/>
+                <a:shade val="100000"/>
+              </a:schemeClr>
+            </a:gs>
+            <a:gs pos="100000">
+              <a:schemeClr val="phClr">
+                <a:lumMod val="99000"/>
+                <a:satMod val="120000"/>
+                <a:shade val="78000"/>
+              </a:schemeClr>
+            </a:gs>
+          </a:gsLst>
+          <a:lin ang="5400000" scaled="0"/>
+        </a:gradFill>
+      </a:fillStyleLst>
+      <a:lnStyleLst>
+        <a:ln w="6350" cap="flat" cmpd="sng" algn="ctr">
+          <a:solidFill>
+            <a:schemeClr val="phClr"/>
+          </a:solidFill>
+          <a:prstDash val="solid"/>
+          <a:miter lim="800000"/>
+        </a:ln>
+        <a:ln w="12700" cap="flat" cmpd="sng" algn="ctr">
+          <a:solidFill>
+            <a:schemeClr val="phClr"/>
+          </a:solidFill>
+          <a:prstDash val="solid"/>
+          <a:miter lim="800000"/>
+        </a:ln>
+        <a:ln w="19050" cap="flat" cmpd="sng" algn="ctr">
+          <a:solidFill>
+            <a:schemeClr val="phClr"/>
+          </a:solidFill>
+          <a:prstDash val="solid"/>
+          <a:miter lim="800000"/>
+        </a:ln>
+      </a:lnStyleLst>
+      <a:effectStyleLst>
+        <a:effectStyle>
+          <a:effectLst/>
+        </a:effectStyle>
+        <a:effectStyle>
+          <a:effectLst/>
+        </a:effectStyle>
+        <a:effectStyle>
+          <a:effectLst>
+            <a:outerShdw blurRad="57150" dist="19050" dir="5400000" algn="ctr" rotWithShape="0">
+              <a:srgbClr val="000000">
+                <a:alpha val="63000"/>
+              </a:srgbClr>
+            </a:outerShdw>
+          </a:effectLst>
+        </a:effectStyle>
+      </a:effectStyleLst>
+      <a:bgFillStyleLst>
+        <a:solidFill>
+          <a:schemeClr val="phClr"/>
+        </a:solidFill>
+        <a:solidFill>
+          <a:schemeClr val="phClr">
+            <a:tint val="95000"/>
+            <a:satMod val="170000"/>
+          </a:schemeClr>
+        </a:solidFill>
+        <a:gradFill rotWithShape="1">
+          <a:gsLst>
+            <a:gs pos="0">
+              <a:schemeClr val="phClr">
+                <a:tint val="93000"/>
+                <a:satMod val="150000"/>
+                <a:shade val="98000"/>
+                <a:lumMod val="102000"/>
+              </a:schemeClr>
+            </a:gs>
+            <a:gs pos="50000">
+              <a:schemeClr val="phClr">
+                <a:tint val="98000"/>
+                <a:satMod val="130000"/>
+                <a:shade val="90000"/>
+                <a:lumMod val="103000"/>
+              </a:schemeClr>
+            </a:gs>
+            <a:gs pos="100000">
+              <a:schemeClr val="phClr">
+                <a:shade val="63000"/>
+                <a:satMod val="120000"/>
+              </a:schemeClr>
+            </a:gs>
+          </a:gsLst>
+          <a:lin ang="5400000" scaled="0"/>
+        </a:gradFill>
+      </a:bgFillStyleLst>
+    </a:fmtScheme>
+  </a:themeElements>
+  <a:objectDefaults/>
+  <a:extraClrSchemeLst/>
+  <a:extLst>
+    <a:ext uri="{05A4C25C-085E-4340-85A3-A5531E510DB2}">
+      <thm15:themeFamily xmlns:thm15="http://schemas.microsoft.com/office/thememl/2012/main" name="Office Theme" id="{62F939B6-93AF-4DB8-9C6B-D6C7DFDC589F}" vid="{4A3C46E8-61CC-4603-A589-7422A47A8E4A}"/>
+    </a:ext>
+  </a:extLst>
+</a:theme>
 </file>